--- a/一带一路/资料.pptx
+++ b/一带一路/资料.pptx
@@ -3723,7 +3723,7 @@
         <p:spPr>
           <a:xfrm>
             <a:off x="311121" y="261958"/>
-            <a:ext cx="4869579" cy="346273"/>
+            <a:ext cx="7202862" cy="3762593"/>
           </a:xfrm>
           <a:prstGeom prst="rect">
             <a:avLst/>
@@ -3741,252 +3741,130 @@
                 <a:solidFill>
                   <a:srgbClr val="763E23"/>
                 </a:solidFill>
+                <a:latin typeface="微软雅黑" panose="020B0503020204020204" pitchFamily="34" charset="-122"/>
+                <a:ea typeface="微软雅黑" panose="020B0503020204020204" pitchFamily="34" charset="-122"/>
+              </a:rPr>
+              <a:t>公元前</a:t>
+            </a:r>
+            <a:r>
+              <a:rPr lang="en-US" altLang="zh-CN" dirty="0">
+                <a:solidFill>
+                  <a:srgbClr val="763E23"/>
+                </a:solidFill>
+                <a:latin typeface="微软雅黑" panose="020B0503020204020204" pitchFamily="34" charset="-122"/>
+                <a:ea typeface="微软雅黑" panose="020B0503020204020204" pitchFamily="34" charset="-122"/>
+              </a:rPr>
+              <a:t>140</a:t>
+            </a:r>
+            <a:r>
+              <a:rPr lang="zh-CN" altLang="en-US" dirty="0">
+                <a:solidFill>
+                  <a:srgbClr val="763E23"/>
+                </a:solidFill>
+                <a:latin typeface="微软雅黑" panose="020B0503020204020204" pitchFamily="34" charset="-122"/>
+                <a:ea typeface="微软雅黑" panose="020B0503020204020204" pitchFamily="34" charset="-122"/>
+              </a:rPr>
+              <a:t>多年的中国汉代 </a:t>
+            </a:r>
+            <a:endParaRPr lang="en-US" dirty="0">
+              <a:solidFill>
+                <a:srgbClr val="763E23"/>
+              </a:solidFill>
+              <a:latin typeface="微软雅黑" panose="020B0503020204020204" pitchFamily="34" charset="-122"/>
+              <a:ea typeface="微软雅黑" panose="020B0503020204020204" pitchFamily="34" charset="-122"/>
+            </a:endParaRPr>
+          </a:p>
+          <a:p>
+            <a:r>
+              <a:rPr lang="zh-CN" altLang="en-US" dirty="0">
+                <a:solidFill>
+                  <a:srgbClr val="763E23"/>
+                </a:solidFill>
                 <a:effectLst/>
                 <a:latin typeface="微软雅黑" panose="020B0503020204020204" pitchFamily="34" charset="-122"/>
                 <a:ea typeface="微软雅黑" panose="020B0503020204020204" pitchFamily="34" charset="-122"/>
               </a:rPr>
               <a:t>汉武帝，匈奴，远交近攻</a:t>
             </a:r>
-            <a:endParaRPr lang="zh-CN" altLang="en-US" dirty="0">
-              <a:solidFill>
-                <a:srgbClr val="763E23"/>
-              </a:solidFill>
-              <a:latin typeface="微软雅黑" panose="020B0503020204020204" pitchFamily="34" charset="-122"/>
-              <a:ea typeface="微软雅黑" panose="020B0503020204020204" pitchFamily="34" charset="-122"/>
-            </a:endParaRPr>
-          </a:p>
-        </p:txBody>
-      </p:sp>
-      <p:sp>
-        <p:nvSpPr>
-          <p:cNvPr id="11" name="TextBox 27">
-            <a:extLst>
-              <a:ext uri="{FF2B5EF4-FFF2-40B4-BE49-F238E27FC236}">
-                <a16:creationId xmlns:a16="http://schemas.microsoft.com/office/drawing/2014/main" id="{070CD5CA-B21A-4337-A688-8FE3ADF39F61}"/>
-              </a:ext>
-            </a:extLst>
-          </p:cNvPr>
-          <p:cNvSpPr txBox="1"/>
-          <p:nvPr/>
-        </p:nvSpPr>
-        <p:spPr>
-          <a:xfrm>
-            <a:off x="311121" y="640130"/>
-            <a:ext cx="4869579" cy="346273"/>
-          </a:xfrm>
-          <a:prstGeom prst="rect">
-            <a:avLst/>
-          </a:prstGeom>
-          <a:noFill/>
-        </p:spPr>
-        <p:txBody>
-          <a:bodyPr wrap="square" lIns="68604" tIns="34302" rIns="68604" bIns="34302" rtlCol="0">
-            <a:spAutoFit/>
-          </a:bodyPr>
-          <a:lstStyle/>
+            <a:endParaRPr lang="en-US" altLang="zh-CN" dirty="0">
+              <a:solidFill>
+                <a:srgbClr val="763E23"/>
+              </a:solidFill>
+              <a:effectLst/>
+              <a:latin typeface="微软雅黑" panose="020B0503020204020204" pitchFamily="34" charset="-122"/>
+              <a:ea typeface="微软雅黑" panose="020B0503020204020204" pitchFamily="34" charset="-122"/>
+            </a:endParaRPr>
+          </a:p>
           <a:p>
             <a:r>
               <a:rPr lang="zh-CN" altLang="en-US" dirty="0">
                 <a:solidFill>
                   <a:srgbClr val="763E23"/>
                 </a:solidFill>
-                <a:effectLst/>
                 <a:latin typeface="微软雅黑" panose="020B0503020204020204" pitchFamily="34" charset="-122"/>
                 <a:ea typeface="微软雅黑" panose="020B0503020204020204" pitchFamily="34" charset="-122"/>
               </a:rPr>
               <a:t>大月氏，张骞</a:t>
             </a:r>
-            <a:endParaRPr lang="zh-CN" altLang="en-US" dirty="0">
-              <a:solidFill>
-                <a:srgbClr val="763E23"/>
-              </a:solidFill>
-              <a:latin typeface="微软雅黑" panose="020B0503020204020204" pitchFamily="34" charset="-122"/>
-              <a:ea typeface="微软雅黑" panose="020B0503020204020204" pitchFamily="34" charset="-122"/>
-            </a:endParaRPr>
-          </a:p>
-        </p:txBody>
-      </p:sp>
-      <p:sp>
-        <p:nvSpPr>
-          <p:cNvPr id="12" name="TextBox 27">
-            <a:extLst>
-              <a:ext uri="{FF2B5EF4-FFF2-40B4-BE49-F238E27FC236}">
-                <a16:creationId xmlns:a16="http://schemas.microsoft.com/office/drawing/2014/main" id="{27691FAD-C58E-490F-BC99-95987765B285}"/>
-              </a:ext>
-            </a:extLst>
-          </p:cNvPr>
-          <p:cNvSpPr txBox="1"/>
-          <p:nvPr/>
-        </p:nvSpPr>
-        <p:spPr>
-          <a:xfrm>
-            <a:off x="311121" y="1016425"/>
-            <a:ext cx="4869579" cy="346273"/>
-          </a:xfrm>
-          <a:prstGeom prst="rect">
-            <a:avLst/>
-          </a:prstGeom>
-          <a:noFill/>
-        </p:spPr>
-        <p:txBody>
-          <a:bodyPr wrap="square" lIns="68604" tIns="34302" rIns="68604" bIns="34302" rtlCol="0">
-            <a:spAutoFit/>
-          </a:bodyPr>
-          <a:lstStyle/>
+          </a:p>
           <a:p>
             <a:r>
               <a:rPr lang="zh-CN" altLang="en-US" dirty="0">
                 <a:solidFill>
                   <a:srgbClr val="763E23"/>
                 </a:solidFill>
-                <a:effectLst/>
                 <a:latin typeface="微软雅黑" panose="020B0503020204020204" pitchFamily="34" charset="-122"/>
                 <a:ea typeface="微软雅黑" panose="020B0503020204020204" pitchFamily="34" charset="-122"/>
               </a:rPr>
               <a:t>张骞被抓， 软禁十年</a:t>
             </a:r>
-            <a:endParaRPr lang="zh-CN" altLang="en-US" dirty="0">
-              <a:solidFill>
-                <a:srgbClr val="763E23"/>
-              </a:solidFill>
-              <a:latin typeface="微软雅黑" panose="020B0503020204020204" pitchFamily="34" charset="-122"/>
-              <a:ea typeface="微软雅黑" panose="020B0503020204020204" pitchFamily="34" charset="-122"/>
-            </a:endParaRPr>
-          </a:p>
-        </p:txBody>
-      </p:sp>
-      <p:sp>
-        <p:nvSpPr>
-          <p:cNvPr id="13" name="TextBox 27">
-            <a:extLst>
-              <a:ext uri="{FF2B5EF4-FFF2-40B4-BE49-F238E27FC236}">
-                <a16:creationId xmlns:a16="http://schemas.microsoft.com/office/drawing/2014/main" id="{28866353-0C17-4999-856B-56EEAC453DC5}"/>
-              </a:ext>
-            </a:extLst>
-          </p:cNvPr>
-          <p:cNvSpPr txBox="1"/>
-          <p:nvPr/>
-        </p:nvSpPr>
-        <p:spPr>
-          <a:xfrm>
-            <a:off x="337625" y="1425583"/>
-            <a:ext cx="4869579" cy="346273"/>
-          </a:xfrm>
-          <a:prstGeom prst="rect">
-            <a:avLst/>
-          </a:prstGeom>
-          <a:noFill/>
-        </p:spPr>
-        <p:txBody>
-          <a:bodyPr wrap="square" lIns="68604" tIns="34302" rIns="68604" bIns="34302" rtlCol="0">
-            <a:spAutoFit/>
-          </a:bodyPr>
-          <a:lstStyle/>
+          </a:p>
           <a:p>
             <a:r>
               <a:rPr lang="zh-CN" altLang="en-US" dirty="0">
                 <a:solidFill>
                   <a:srgbClr val="763E23"/>
                 </a:solidFill>
-                <a:effectLst/>
-                <a:latin typeface="微软雅黑" panose="020B0503020204020204" pitchFamily="34" charset="-122"/>
-                <a:ea typeface="微软雅黑" panose="020B0503020204020204" pitchFamily="34" charset="-122"/>
-              </a:rPr>
-              <a:t>大月氏畏惧匈奴已前往西亚、东欧</a:t>
-            </a:r>
-            <a:endParaRPr lang="zh-CN" altLang="en-US" dirty="0">
-              <a:solidFill>
-                <a:srgbClr val="763E23"/>
-              </a:solidFill>
-              <a:latin typeface="微软雅黑" panose="020B0503020204020204" pitchFamily="34" charset="-122"/>
-              <a:ea typeface="微软雅黑" panose="020B0503020204020204" pitchFamily="34" charset="-122"/>
-            </a:endParaRPr>
-          </a:p>
-        </p:txBody>
-      </p:sp>
-      <p:sp>
-        <p:nvSpPr>
-          <p:cNvPr id="14" name="TextBox 27">
-            <a:extLst>
-              <a:ext uri="{FF2B5EF4-FFF2-40B4-BE49-F238E27FC236}">
-                <a16:creationId xmlns:a16="http://schemas.microsoft.com/office/drawing/2014/main" id="{F3B9D9F6-FF66-4B46-B283-4F88121C2295}"/>
-              </a:ext>
-            </a:extLst>
-          </p:cNvPr>
-          <p:cNvSpPr txBox="1"/>
-          <p:nvPr/>
-        </p:nvSpPr>
-        <p:spPr>
-          <a:xfrm>
-            <a:off x="337625" y="1996949"/>
-            <a:ext cx="6288462" cy="900271"/>
-          </a:xfrm>
-          <a:prstGeom prst="rect">
-            <a:avLst/>
-          </a:prstGeom>
-          <a:noFill/>
-        </p:spPr>
-        <p:txBody>
-          <a:bodyPr wrap="square" lIns="68604" tIns="34302" rIns="68604" bIns="34302" rtlCol="0">
-            <a:spAutoFit/>
-          </a:bodyPr>
-          <a:lstStyle/>
+                <a:latin typeface="微软雅黑" panose="020B0503020204020204" pitchFamily="34" charset="-122"/>
+                <a:ea typeface="微软雅黑" panose="020B0503020204020204" pitchFamily="34" charset="-122"/>
+              </a:rPr>
+              <a:t>大月氏畏惧匈奴已前往西亚、东欧、</a:t>
+            </a:r>
+            <a:endParaRPr lang="en-US" altLang="zh-CN" dirty="0">
+              <a:solidFill>
+                <a:srgbClr val="763E23"/>
+              </a:solidFill>
+              <a:latin typeface="微软雅黑" panose="020B0503020204020204" pitchFamily="34" charset="-122"/>
+              <a:ea typeface="微软雅黑" panose="020B0503020204020204" pitchFamily="34" charset="-122"/>
+            </a:endParaRPr>
+          </a:p>
+          <a:p>
+            <a:endParaRPr lang="en-US" altLang="zh-CN" dirty="0">
+              <a:solidFill>
+                <a:srgbClr val="763E23"/>
+              </a:solidFill>
+              <a:latin typeface="微软雅黑" panose="020B0503020204020204" pitchFamily="34" charset="-122"/>
+              <a:ea typeface="微软雅黑" panose="020B0503020204020204" pitchFamily="34" charset="-122"/>
+            </a:endParaRPr>
+          </a:p>
           <a:p>
             <a:r>
               <a:rPr lang="zh-CN" altLang="en-US" dirty="0">
                 <a:solidFill>
                   <a:srgbClr val="763E23"/>
                 </a:solidFill>
-                <a:effectLst/>
                 <a:latin typeface="微软雅黑" panose="020B0503020204020204" pitchFamily="34" charset="-122"/>
                 <a:ea typeface="微软雅黑" panose="020B0503020204020204" pitchFamily="34" charset="-122"/>
               </a:rPr>
               <a:t>军事目的落空，却建立了外交联系，让我们看到了西域地区丰富的文化和物产，也积累了大量西域的文化和资料，后人探索西域的重要参考</a:t>
             </a:r>
-            <a:endParaRPr lang="zh-CN" altLang="en-US" dirty="0">
-              <a:solidFill>
-                <a:srgbClr val="763E23"/>
-              </a:solidFill>
-              <a:latin typeface="微软雅黑" panose="020B0503020204020204" pitchFamily="34" charset="-122"/>
-              <a:ea typeface="微软雅黑" panose="020B0503020204020204" pitchFamily="34" charset="-122"/>
-            </a:endParaRPr>
-          </a:p>
-        </p:txBody>
-      </p:sp>
-      <p:sp>
-        <p:nvSpPr>
-          <p:cNvPr id="15" name="TextBox 27">
-            <a:extLst>
-              <a:ext uri="{FF2B5EF4-FFF2-40B4-BE49-F238E27FC236}">
-                <a16:creationId xmlns:a16="http://schemas.microsoft.com/office/drawing/2014/main" id="{BA117EFE-323A-4A09-BC24-5CF198063890}"/>
-              </a:ext>
-            </a:extLst>
-          </p:cNvPr>
-          <p:cNvSpPr txBox="1"/>
-          <p:nvPr/>
-        </p:nvSpPr>
-        <p:spPr>
-          <a:xfrm>
-            <a:off x="337625" y="3209697"/>
-            <a:ext cx="4869579" cy="438606"/>
-          </a:xfrm>
-          <a:prstGeom prst="rect">
-            <a:avLst/>
-          </a:prstGeom>
-          <a:noFill/>
-        </p:spPr>
-        <p:txBody>
-          <a:bodyPr wrap="square" lIns="68604" tIns="34302" rIns="68604" bIns="34302" rtlCol="0">
-            <a:spAutoFit/>
-          </a:bodyPr>
-          <a:lstStyle/>
+          </a:p>
           <a:p>
             <a:r>
               <a:rPr lang="zh-CN" altLang="en-US" dirty="0">
                 <a:solidFill>
                   <a:srgbClr val="763E23"/>
                 </a:solidFill>
-                <a:effectLst/>
                 <a:latin typeface="微软雅黑" panose="020B0503020204020204" pitchFamily="34" charset="-122"/>
                 <a:ea typeface="微软雅黑" panose="020B0503020204020204" pitchFamily="34" charset="-122"/>
               </a:rPr>
@@ -4001,68 +3879,35 @@
                 <a:solidFill>
                   <a:srgbClr val="763E23"/>
                 </a:solidFill>
-                <a:effectLst/>
                 <a:latin typeface="微软雅黑" panose="020B0503020204020204" pitchFamily="34" charset="-122"/>
                 <a:ea typeface="微软雅黑" panose="020B0503020204020204" pitchFamily="34" charset="-122"/>
               </a:rPr>
               <a:t> </a:t>
             </a:r>
-            <a:endParaRPr lang="zh-CN" altLang="en-US" dirty="0">
-              <a:solidFill>
-                <a:srgbClr val="763E23"/>
-              </a:solidFill>
-              <a:latin typeface="微软雅黑" panose="020B0503020204020204" pitchFamily="34" charset="-122"/>
-              <a:ea typeface="微软雅黑" panose="020B0503020204020204" pitchFamily="34" charset="-122"/>
-            </a:endParaRPr>
-          </a:p>
-        </p:txBody>
-      </p:sp>
-      <p:sp>
-        <p:nvSpPr>
-          <p:cNvPr id="16" name="TextBox 27">
-            <a:extLst>
-              <a:ext uri="{FF2B5EF4-FFF2-40B4-BE49-F238E27FC236}">
-                <a16:creationId xmlns:a16="http://schemas.microsoft.com/office/drawing/2014/main" id="{9EB47AC2-DB78-4C29-88A4-6B35C36BEDBA}"/>
-              </a:ext>
-            </a:extLst>
-          </p:cNvPr>
-          <p:cNvSpPr txBox="1"/>
-          <p:nvPr/>
-        </p:nvSpPr>
-        <p:spPr>
-          <a:xfrm>
-            <a:off x="311121" y="3820802"/>
-            <a:ext cx="5453576" cy="623272"/>
-          </a:xfrm>
-          <a:prstGeom prst="rect">
-            <a:avLst/>
-          </a:prstGeom>
-          <a:noFill/>
-        </p:spPr>
-        <p:txBody>
-          <a:bodyPr wrap="square" lIns="68604" tIns="34302" rIns="68604" bIns="34302" rtlCol="0">
-            <a:spAutoFit/>
-          </a:bodyPr>
-          <a:lstStyle/>
+          </a:p>
           <a:p>
             <a:r>
               <a:rPr lang="zh-CN" altLang="en-US" dirty="0">
                 <a:solidFill>
                   <a:srgbClr val="763E23"/>
                 </a:solidFill>
-                <a:effectLst/>
                 <a:latin typeface="微软雅黑" panose="020B0503020204020204" pitchFamily="34" charset="-122"/>
                 <a:ea typeface="微软雅黑" panose="020B0503020204020204" pitchFamily="34" charset="-122"/>
               </a:rPr>
               <a:t>丝绸之路的开拓者，第一个正眼看世界的中国人，东方的哥伦布</a:t>
             </a:r>
-            <a:endParaRPr lang="zh-CN" altLang="en-US" dirty="0">
-              <a:solidFill>
-                <a:srgbClr val="763E23"/>
-              </a:solidFill>
-              <a:latin typeface="微软雅黑" panose="020B0503020204020204" pitchFamily="34" charset="-122"/>
-              <a:ea typeface="微软雅黑" panose="020B0503020204020204" pitchFamily="34" charset="-122"/>
-            </a:endParaRPr>
+          </a:p>
+          <a:p>
+            <a:r>
+              <a:rPr lang="zh-CN" altLang="en-US" dirty="0">
+                <a:solidFill>
+                  <a:srgbClr val="763E23"/>
+                </a:solidFill>
+                <a:latin typeface="微软雅黑" panose="020B0503020204020204" pitchFamily="34" charset="-122"/>
+                <a:ea typeface="微软雅黑" panose="020B0503020204020204" pitchFamily="34" charset="-122"/>
+              </a:rPr>
+              <a:t>一支从长安出发的和平使团，开始打通东方通往西方的道路，完成了“凿空之旅”，这就是著名的张骞出使西域。</a:t>
+            </a:r>
           </a:p>
         </p:txBody>
       </p:sp>
@@ -4081,7 +3926,7 @@
         <p:spPr>
           <a:xfrm>
             <a:off x="5764697" y="270798"/>
-            <a:ext cx="2920992" cy="369332"/>
+            <a:ext cx="2920992" cy="346273"/>
           </a:xfrm>
           <a:prstGeom prst="rect">
             <a:avLst/>
@@ -4094,36 +3939,6 @@
           </a:bodyPr>
           <a:lstStyle/>
           <a:p>
-            <a:r>
-              <a:rPr lang="zh-CN" altLang="en-US" dirty="0">
-                <a:solidFill>
-                  <a:srgbClr val="763E23"/>
-                </a:solidFill>
-                <a:latin typeface="微软雅黑" panose="020B0503020204020204" pitchFamily="34" charset="-122"/>
-                <a:ea typeface="微软雅黑" panose="020B0503020204020204" pitchFamily="34" charset="-122"/>
-              </a:rPr>
-              <a:t>公元前</a:t>
-            </a:r>
-            <a:r>
-              <a:rPr lang="en-US" altLang="zh-CN" dirty="0">
-                <a:solidFill>
-                  <a:srgbClr val="763E23"/>
-                </a:solidFill>
-                <a:latin typeface="微软雅黑" panose="020B0503020204020204" pitchFamily="34" charset="-122"/>
-                <a:ea typeface="微软雅黑" panose="020B0503020204020204" pitchFamily="34" charset="-122"/>
-              </a:rPr>
-              <a:t>140</a:t>
-            </a:r>
-            <a:r>
-              <a:rPr lang="zh-CN" altLang="en-US" dirty="0">
-                <a:solidFill>
-                  <a:srgbClr val="763E23"/>
-                </a:solidFill>
-                <a:latin typeface="微软雅黑" panose="020B0503020204020204" pitchFamily="34" charset="-122"/>
-                <a:ea typeface="微软雅黑" panose="020B0503020204020204" pitchFamily="34" charset="-122"/>
-              </a:rPr>
-              <a:t>多年的中国汉代</a:t>
-            </a:r>
             <a:endParaRPr lang="en-US" dirty="0">
               <a:solidFill>
                 <a:srgbClr val="763E23"/>
@@ -4131,46 +3946,6 @@
               <a:latin typeface="微软雅黑" panose="020B0503020204020204" pitchFamily="34" charset="-122"/>
               <a:ea typeface="微软雅黑" panose="020B0503020204020204" pitchFamily="34" charset="-122"/>
             </a:endParaRPr>
-          </a:p>
-        </p:txBody>
-      </p:sp>
-      <p:sp>
-        <p:nvSpPr>
-          <p:cNvPr id="3" name="矩形 2">
-            <a:extLst>
-              <a:ext uri="{FF2B5EF4-FFF2-40B4-BE49-F238E27FC236}">
-                <a16:creationId xmlns:a16="http://schemas.microsoft.com/office/drawing/2014/main" id="{F023C981-FA0F-405B-9989-5232E9FB7A12}"/>
-              </a:ext>
-            </a:extLst>
-          </p:cNvPr>
-          <p:cNvSpPr/>
-          <p:nvPr/>
-        </p:nvSpPr>
-        <p:spPr>
-          <a:xfrm>
-            <a:off x="5473147" y="813266"/>
-            <a:ext cx="6096000" cy="646331"/>
-          </a:xfrm>
-          <a:prstGeom prst="rect">
-            <a:avLst/>
-          </a:prstGeom>
-        </p:spPr>
-        <p:txBody>
-          <a:bodyPr>
-            <a:spAutoFit/>
-          </a:bodyPr>
-          <a:lstStyle/>
-          <a:p>
-            <a:r>
-              <a:rPr lang="zh-CN" altLang="en-US" dirty="0">
-                <a:solidFill>
-                  <a:srgbClr val="763E23"/>
-                </a:solidFill>
-                <a:latin typeface="微软雅黑" panose="020B0503020204020204" pitchFamily="34" charset="-122"/>
-                <a:ea typeface="微软雅黑" panose="020B0503020204020204" pitchFamily="34" charset="-122"/>
-              </a:rPr>
-              <a:t>一支从长安出发的和平使团，开始打通东方通往西方的道路，完成了“凿空之旅”，这就是著名的张骞出使西域。</a:t>
-            </a:r>
           </a:p>
         </p:txBody>
       </p:sp>
@@ -4231,7 +4006,7 @@
         <p:spPr>
           <a:xfrm>
             <a:off x="311121" y="261958"/>
-            <a:ext cx="8051001" cy="3670260"/>
+            <a:ext cx="8051001" cy="3947259"/>
           </a:xfrm>
           <a:prstGeom prst="rect">
             <a:avLst/>
@@ -4418,6 +4193,16 @@
             </a:endParaRPr>
           </a:p>
           <a:p>
+            <a:r>
+              <a:rPr lang="zh-CN" altLang="en-US" dirty="0">
+                <a:solidFill>
+                  <a:srgbClr val="763E23"/>
+                </a:solidFill>
+                <a:latin typeface="微软雅黑" panose="020B0503020204020204" pitchFamily="34" charset="-122"/>
+                <a:ea typeface="微软雅黑" panose="020B0503020204020204" pitchFamily="34" charset="-122"/>
+              </a:rPr>
+              <a:t>争取多数，分化瓦解匈奴，重塑中国在西域的威信和影响力</a:t>
+            </a:r>
             <a:endParaRPr lang="en-US" altLang="zh-CN" dirty="0">
               <a:solidFill>
                 <a:srgbClr val="763E23"/>
@@ -4435,7 +4220,7 @@
                 <a:latin typeface="微软雅黑" panose="020B0503020204020204" pitchFamily="34" charset="-122"/>
                 <a:ea typeface="微软雅黑" panose="020B0503020204020204" pitchFamily="34" charset="-122"/>
               </a:rPr>
-              <a:t>争取多数，分化瓦解匈奴，重塑中国在西域的威信和影响力</a:t>
+              <a:t>加强联系，促进民族融合</a:t>
             </a:r>
             <a:endParaRPr lang="en-US" altLang="zh-CN" dirty="0">
               <a:solidFill>
@@ -4446,6 +4231,15 @@
             </a:endParaRPr>
           </a:p>
           <a:p>
+            <a:endParaRPr lang="en-US" altLang="zh-CN" dirty="0">
+              <a:solidFill>
+                <a:srgbClr val="763E23"/>
+              </a:solidFill>
+              <a:latin typeface="微软雅黑" panose="020B0503020204020204" pitchFamily="34" charset="-122"/>
+              <a:ea typeface="微软雅黑" panose="020B0503020204020204" pitchFamily="34" charset="-122"/>
+            </a:endParaRPr>
+          </a:p>
+          <a:p>
             <a:r>
               <a:rPr lang="zh-CN" altLang="en-US" dirty="0">
                 <a:solidFill>
@@ -4454,7 +4248,7 @@
                 <a:latin typeface="微软雅黑" panose="020B0503020204020204" pitchFamily="34" charset="-122"/>
                 <a:ea typeface="微软雅黑" panose="020B0503020204020204" pitchFamily="34" charset="-122"/>
               </a:rPr>
-              <a:t>加强联系，促进民族融合</a:t>
+              <a:t>定远侯</a:t>
             </a:r>
             <a:endParaRPr lang="en-US" altLang="zh-CN" dirty="0">
               <a:solidFill>
@@ -4465,16 +4259,6 @@
             </a:endParaRPr>
           </a:p>
           <a:p>
-            <a:r>
-              <a:rPr lang="zh-CN" altLang="en-US" dirty="0">
-                <a:solidFill>
-                  <a:srgbClr val="763E23"/>
-                </a:solidFill>
-                <a:latin typeface="微软雅黑" panose="020B0503020204020204" pitchFamily="34" charset="-122"/>
-                <a:ea typeface="微软雅黑" panose="020B0503020204020204" pitchFamily="34" charset="-122"/>
-              </a:rPr>
-              <a:t>定远侯</a:t>
-            </a:r>
             <a:endParaRPr lang="en-US" altLang="zh-CN" dirty="0">
               <a:solidFill>
                 <a:srgbClr val="763E23"/>
@@ -4548,7 +4332,7 @@
         <p:spPr>
           <a:xfrm>
             <a:off x="408191" y="357816"/>
-            <a:ext cx="11359739" cy="4993699"/>
+            <a:ext cx="11359739" cy="5609252"/>
           </a:xfrm>
           <a:prstGeom prst="rect">
             <a:avLst/>
@@ -4740,8 +4524,6 @@
               </a:rPr>
               <a:t>《</a:t>
             </a:r>
-          </a:p>
-          <a:p>
             <a:r>
               <a:rPr lang="zh-CN" altLang="en-US" sz="2000" dirty="0">
                 <a:solidFill>
@@ -4780,7 +4562,19 @@
                 <a:latin typeface="微软雅黑" panose="020B0503020204020204" pitchFamily="34" charset="-122"/>
                 <a:ea typeface="微软雅黑" panose="020B0503020204020204" pitchFamily="34" charset="-122"/>
               </a:rPr>
-              <a:t>》 166</a:t>
+              <a:t>》 </a:t>
+            </a:r>
+          </a:p>
+          <a:p>
+            <a:r>
+              <a:rPr lang="en-US" altLang="zh-CN" sz="2000" dirty="0">
+                <a:solidFill>
+                  <a:srgbClr val="763E23"/>
+                </a:solidFill>
+                <a:latin typeface="微软雅黑" panose="020B0503020204020204" pitchFamily="34" charset="-122"/>
+                <a:ea typeface="微软雅黑" panose="020B0503020204020204" pitchFamily="34" charset="-122"/>
+              </a:rPr>
+              <a:t>166</a:t>
             </a:r>
             <a:r>
               <a:rPr lang="zh-CN" altLang="en-US" sz="2000" dirty="0">
@@ -4818,7 +4612,7 @@
                 <a:latin typeface="微软雅黑" panose="020B0503020204020204" pitchFamily="34" charset="-122"/>
                 <a:ea typeface="微软雅黑" panose="020B0503020204020204" pitchFamily="34" charset="-122"/>
               </a:rPr>
-              <a:t>一，东西汉对西域管理，匈奴每况愈下，一分为二，一部分融入汉朝，一部份向西逃到东欧，击退日耳曼人，日耳曼人最终灭亡了罗马帝国</a:t>
+              <a:t>一，东西汉对西域管理，匈奴每况愈下，一分为二，</a:t>
             </a:r>
             <a:endParaRPr lang="en-US" altLang="zh-CN" sz="2000" dirty="0">
               <a:solidFill>
@@ -4829,6 +4623,16 @@
             </a:endParaRPr>
           </a:p>
           <a:p>
+            <a:r>
+              <a:rPr lang="zh-CN" altLang="en-US" sz="2000" dirty="0">
+                <a:solidFill>
+                  <a:srgbClr val="763E23"/>
+                </a:solidFill>
+                <a:latin typeface="微软雅黑" panose="020B0503020204020204" pitchFamily="34" charset="-122"/>
+                <a:ea typeface="微软雅黑" panose="020B0503020204020204" pitchFamily="34" charset="-122"/>
+              </a:rPr>
+              <a:t>一部分融入汉朝，一部份向西逃到东欧，</a:t>
+            </a:r>
             <a:endParaRPr lang="en-US" altLang="zh-CN" sz="2000" dirty="0">
               <a:solidFill>
                 <a:srgbClr val="763E23"/>
@@ -4846,7 +4650,64 @@
                 <a:latin typeface="微软雅黑" panose="020B0503020204020204" pitchFamily="34" charset="-122"/>
                 <a:ea typeface="微软雅黑" panose="020B0503020204020204" pitchFamily="34" charset="-122"/>
               </a:rPr>
-              <a:t>二，为什么意大利米兰是时装之都。古罗马，最早与中国开展商贸的西方帝国。</a:t>
+              <a:t>击退日耳曼人，日耳曼人最终灭亡了罗马帝国</a:t>
+            </a:r>
+            <a:endParaRPr lang="en-US" altLang="zh-CN" sz="2000" dirty="0">
+              <a:solidFill>
+                <a:srgbClr val="763E23"/>
+              </a:solidFill>
+              <a:latin typeface="微软雅黑" panose="020B0503020204020204" pitchFamily="34" charset="-122"/>
+              <a:ea typeface="微软雅黑" panose="020B0503020204020204" pitchFamily="34" charset="-122"/>
+            </a:endParaRPr>
+          </a:p>
+          <a:p>
+            <a:endParaRPr lang="en-US" altLang="zh-CN" sz="2000" dirty="0">
+              <a:solidFill>
+                <a:srgbClr val="763E23"/>
+              </a:solidFill>
+              <a:latin typeface="微软雅黑" panose="020B0503020204020204" pitchFamily="34" charset="-122"/>
+              <a:ea typeface="微软雅黑" panose="020B0503020204020204" pitchFamily="34" charset="-122"/>
+            </a:endParaRPr>
+          </a:p>
+          <a:p>
+            <a:r>
+              <a:rPr lang="zh-CN" altLang="en-US" sz="2000" dirty="0">
+                <a:solidFill>
+                  <a:srgbClr val="763E23"/>
+                </a:solidFill>
+                <a:latin typeface="微软雅黑" panose="020B0503020204020204" pitchFamily="34" charset="-122"/>
+                <a:ea typeface="微软雅黑" panose="020B0503020204020204" pitchFamily="34" charset="-122"/>
+              </a:rPr>
+              <a:t>二，为什么意大利米兰是时装之都。</a:t>
+            </a:r>
+            <a:endParaRPr lang="en-US" altLang="zh-CN" sz="2000">
+              <a:solidFill>
+                <a:srgbClr val="763E23"/>
+              </a:solidFill>
+              <a:latin typeface="微软雅黑" panose="020B0503020204020204" pitchFamily="34" charset="-122"/>
+              <a:ea typeface="微软雅黑" panose="020B0503020204020204" pitchFamily="34" charset="-122"/>
+            </a:endParaRPr>
+          </a:p>
+          <a:p>
+            <a:r>
+              <a:rPr lang="zh-CN" altLang="en-US" sz="2000">
+                <a:solidFill>
+                  <a:srgbClr val="763E23"/>
+                </a:solidFill>
+                <a:latin typeface="微软雅黑" panose="020B0503020204020204" pitchFamily="34" charset="-122"/>
+                <a:ea typeface="微软雅黑" panose="020B0503020204020204" pitchFamily="34" charset="-122"/>
+              </a:rPr>
+              <a:t>古罗马</a:t>
+            </a:r>
+            <a:r>
+              <a:rPr lang="zh-CN" altLang="en-US" sz="2000" dirty="0">
+                <a:solidFill>
+                  <a:srgbClr val="763E23"/>
+                </a:solidFill>
+                <a:latin typeface="微软雅黑" panose="020B0503020204020204" pitchFamily="34" charset="-122"/>
+                <a:ea typeface="微软雅黑" panose="020B0503020204020204" pitchFamily="34" charset="-122"/>
+              </a:rPr>
+              <a:t>，最早与中国开展商贸的西方帝国。</a:t>
             </a:r>
             <a:endParaRPr lang="en-US" altLang="zh-CN" sz="2000" dirty="0">
               <a:solidFill>
